--- a/CC440.pptx
+++ b/CC440.pptx
@@ -8,7 +8,6 @@
     <p:sldId id="256" r:id="rId2"/>
     <p:sldId id="258" r:id="rId3"/>
     <p:sldId id="257" r:id="rId4"/>
-    <p:sldId id="259" r:id="rId5"/>
   </p:sldIdLst>
   <p:sldSz cx="12192000" cy="6858000"/>
   <p:notesSz cx="6858000" cy="9144000"/>
@@ -1327,7 +1326,7 @@
             <a:fld id="{9334D819-9F07-4261-B09B-9E467E5D9002}" type="datetimeFigureOut">
               <a:rPr lang="en-US" dirty="0"/>
               <a:pPr/>
-              <a:t>11/11/19</a:t>
+              <a:t>11/20/19</a:t>
             </a:fld>
             <a:endParaRPr lang="en-US" dirty="0"/>
           </a:p>
@@ -1561,7 +1560,7 @@
           <a:p>
             <a:fld id="{9334D819-9F07-4261-B09B-9E467E5D9002}" type="datetimeFigureOut">
               <a:rPr lang="en-US" dirty="0"/>
-              <a:t>11/11/19</a:t>
+              <a:t>11/20/19</a:t>
             </a:fld>
             <a:endParaRPr lang="en-US" dirty="0"/>
           </a:p>
@@ -1736,7 +1735,7 @@
           <a:p>
             <a:fld id="{9334D819-9F07-4261-B09B-9E467E5D9002}" type="datetimeFigureOut">
               <a:rPr lang="en-US" dirty="0"/>
-              <a:t>11/11/19</a:t>
+              <a:t>11/20/19</a:t>
             </a:fld>
             <a:endParaRPr lang="en-US" dirty="0"/>
           </a:p>
@@ -1901,7 +1900,7 @@
           <a:p>
             <a:fld id="{9334D819-9F07-4261-B09B-9E467E5D9002}" type="datetimeFigureOut">
               <a:rPr lang="en-US" dirty="0"/>
-              <a:t>11/11/19</a:t>
+              <a:t>11/20/19</a:t>
             </a:fld>
             <a:endParaRPr lang="en-US" dirty="0"/>
           </a:p>
@@ -2173,7 +2172,7 @@
             <a:fld id="{9334D819-9F07-4261-B09B-9E467E5D9002}" type="datetimeFigureOut">
               <a:rPr lang="en-US" dirty="0"/>
               <a:pPr/>
-              <a:t>11/11/19</a:t>
+              <a:t>11/20/19</a:t>
             </a:fld>
             <a:endParaRPr lang="en-US" dirty="0"/>
           </a:p>
@@ -3370,7 +3369,7 @@
           <a:p>
             <a:fld id="{9334D819-9F07-4261-B09B-9E467E5D9002}" type="datetimeFigureOut">
               <a:rPr lang="en-US" dirty="0"/>
-              <a:t>11/11/19</a:t>
+              <a:t>11/20/19</a:t>
             </a:fld>
             <a:endParaRPr lang="en-US" dirty="0"/>
           </a:p>
@@ -3755,7 +3754,7 @@
           <a:p>
             <a:fld id="{9334D819-9F07-4261-B09B-9E467E5D9002}" type="datetimeFigureOut">
               <a:rPr lang="en-US" dirty="0"/>
-              <a:t>11/11/19</a:t>
+              <a:t>11/20/19</a:t>
             </a:fld>
             <a:endParaRPr lang="en-US" dirty="0"/>
           </a:p>
@@ -3873,7 +3872,7 @@
           <a:p>
             <a:fld id="{9334D819-9F07-4261-B09B-9E467E5D9002}" type="datetimeFigureOut">
               <a:rPr lang="en-US" dirty="0"/>
-              <a:t>11/11/19</a:t>
+              <a:t>11/20/19</a:t>
             </a:fld>
             <a:endParaRPr lang="en-US" dirty="0"/>
           </a:p>
@@ -3963,7 +3962,7 @@
           <a:p>
             <a:fld id="{9334D819-9F07-4261-B09B-9E467E5D9002}" type="datetimeFigureOut">
               <a:rPr lang="en-US" dirty="0"/>
-              <a:t>11/11/19</a:t>
+              <a:t>11/20/19</a:t>
             </a:fld>
             <a:endParaRPr lang="en-US" dirty="0"/>
           </a:p>
@@ -4721,7 +4720,7 @@
           <a:p>
             <a:fld id="{9334D819-9F07-4261-B09B-9E467E5D9002}" type="datetimeFigureOut">
               <a:rPr lang="en-US" dirty="0"/>
-              <a:t>11/11/19</a:t>
+              <a:t>11/20/19</a:t>
             </a:fld>
             <a:endParaRPr lang="en-US" dirty="0"/>
           </a:p>
@@ -5556,7 +5555,7 @@
           <a:p>
             <a:fld id="{9334D819-9F07-4261-B09B-9E467E5D9002}" type="datetimeFigureOut">
               <a:rPr lang="en-US" dirty="0"/>
-              <a:t>11/11/19</a:t>
+              <a:t>11/20/19</a:t>
             </a:fld>
             <a:endParaRPr lang="en-US" dirty="0"/>
           </a:p>
@@ -5779,7 +5778,7 @@
             <a:fld id="{9334D819-9F07-4261-B09B-9E467E5D9002}" type="datetimeFigureOut">
               <a:rPr lang="en-US" dirty="0"/>
               <a:pPr/>
-              <a:t>11/11/19</a:t>
+              <a:t>11/20/19</a:t>
             </a:fld>
             <a:endParaRPr lang="en-US" dirty="0"/>
           </a:p>
@@ -7045,9 +7044,16 @@
             <p:ph idx="1"/>
           </p:nvPr>
         </p:nvSpPr>
-        <p:spPr/>
+        <p:spPr>
+          <a:xfrm>
+            <a:off x="1251678" y="1744133"/>
+            <a:ext cx="10178322" cy="4741334"/>
+          </a:xfrm>
+        </p:spPr>
         <p:txBody>
-          <a:bodyPr/>
+          <a:bodyPr>
+            <a:normAutofit/>
+          </a:bodyPr>
           <a:lstStyle/>
           <a:p>
             <a:r>
@@ -7060,8 +7066,13 @@
             </a:r>
             <a:r>
               <a:rPr lang="en-US" sz="2400" dirty="0" smtClean="0"/>
-              <a:t> sprites (sitting, walking, reaching)</a:t>
-            </a:r>
+              <a:t> sprites (sitting, </a:t>
+            </a:r>
+            <a:r>
+              <a:rPr lang="en-US" sz="2400" dirty="0" smtClean="0"/>
+              <a:t>walking)</a:t>
+            </a:r>
+            <a:endParaRPr lang="en-US" sz="2400" dirty="0" smtClean="0"/>
           </a:p>
           <a:p>
             <a:r>
@@ -7081,28 +7092,49 @@
             <a:pPr lvl="1"/>
             <a:r>
               <a:rPr lang="en-US" sz="2400" dirty="0" smtClean="0"/>
-              <a:t>Tic-tac-toe: add animations, make one player?</a:t>
+              <a:t>Tic-tac-toe: add </a:t>
+            </a:r>
+            <a:r>
+              <a:rPr lang="en-US" sz="2400" dirty="0" smtClean="0"/>
+              <a:t>animations</a:t>
             </a:r>
           </a:p>
           <a:p>
             <a:pPr lvl="1"/>
             <a:r>
               <a:rPr lang="en-US" sz="2400" dirty="0" smtClean="0"/>
-              <a:t>Maze: like class example with wall that stopped sprite</a:t>
+              <a:t>Maze</a:t>
+            </a:r>
+            <a:r>
+              <a:rPr lang="en-US" sz="2400" dirty="0" smtClean="0"/>
+              <a:t>: like class example with wall that stopped sprite</a:t>
             </a:r>
           </a:p>
           <a:p>
             <a:pPr lvl="1"/>
             <a:r>
               <a:rPr lang="en-US" sz="2400" dirty="0" smtClean="0"/>
-              <a:t>Fish: randomize fish, click to make sprite reach, see if collision</a:t>
-            </a:r>
+              <a:t>Yarn: with collisions, push yarn into box</a:t>
+            </a:r>
+            <a:endParaRPr lang="en-US" sz="2400" dirty="0" smtClean="0"/>
           </a:p>
           <a:p>
             <a:pPr lvl="1"/>
             <a:r>
               <a:rPr lang="en-US" sz="2400" dirty="0" smtClean="0"/>
               <a:t>More?</a:t>
+            </a:r>
+          </a:p>
+          <a:p>
+            <a:r>
+              <a:rPr lang="en-US" dirty="0"/>
+              <a:t>Multiple sketches?</a:t>
+            </a:r>
+          </a:p>
+          <a:p>
+            <a:r>
+              <a:rPr lang="en-US" dirty="0"/>
+              <a:t>Make 8-bit art?</a:t>
             </a:r>
           </a:p>
           <a:p>
@@ -7114,96 +7146,6 @@
     <p:extLst>
       <p:ext uri="{BB962C8B-B14F-4D97-AF65-F5344CB8AC3E}">
         <p14:creationId xmlns:p14="http://schemas.microsoft.com/office/powerpoint/2010/main" val="660601894"/>
-      </p:ext>
-    </p:extLst>
-  </p:cSld>
-  <p:clrMapOvr>
-    <a:masterClrMapping/>
-  </p:clrMapOvr>
-</p:sld>
-</file>
-
-<file path=ppt/slides/slide4.xml><?xml version="1.0" encoding="utf-8"?>
-<p:sld xmlns:a="http://schemas.openxmlformats.org/drawingml/2006/main" xmlns:r="http://schemas.openxmlformats.org/officeDocument/2006/relationships" xmlns:p="http://schemas.openxmlformats.org/presentationml/2006/main">
-  <p:cSld>
-    <p:spTree>
-      <p:nvGrpSpPr>
-        <p:cNvPr id="1" name=""/>
-        <p:cNvGrpSpPr/>
-        <p:nvPr/>
-      </p:nvGrpSpPr>
-      <p:grpSpPr>
-        <a:xfrm>
-          <a:off x="0" y="0"/>
-          <a:ext cx="0" cy="0"/>
-          <a:chOff x="0" y="0"/>
-          <a:chExt cx="0" cy="0"/>
-        </a:xfrm>
-      </p:grpSpPr>
-      <p:sp>
-        <p:nvSpPr>
-          <p:cNvPr id="2" name="Title 1"/>
-          <p:cNvSpPr>
-            <a:spLocks noGrp="1"/>
-          </p:cNvSpPr>
-          <p:nvPr>
-            <p:ph type="title"/>
-          </p:nvPr>
-        </p:nvSpPr>
-        <p:spPr/>
-        <p:txBody>
-          <a:bodyPr/>
-          <a:lstStyle/>
-          <a:p>
-            <a:endParaRPr lang="en-US"/>
-          </a:p>
-        </p:txBody>
-      </p:sp>
-      <p:sp>
-        <p:nvSpPr>
-          <p:cNvPr id="3" name="Content Placeholder 2"/>
-          <p:cNvSpPr>
-            <a:spLocks noGrp="1"/>
-          </p:cNvSpPr>
-          <p:nvPr>
-            <p:ph idx="1"/>
-          </p:nvPr>
-        </p:nvSpPr>
-        <p:spPr/>
-        <p:txBody>
-          <a:bodyPr/>
-          <a:lstStyle/>
-          <a:p>
-            <a:r>
-              <a:rPr lang="en-US" dirty="0" smtClean="0"/>
-              <a:t>Multiple sketches?</a:t>
-            </a:r>
-          </a:p>
-          <a:p>
-            <a:r>
-              <a:rPr lang="en-US" dirty="0" smtClean="0"/>
-              <a:t>Make 8-bit art?</a:t>
-            </a:r>
-          </a:p>
-          <a:p>
-            <a:r>
-              <a:rPr lang="en-US" dirty="0" smtClean="0"/>
-              <a:t>Cat push ball of yarn into places (cardboard box?)</a:t>
-            </a:r>
-          </a:p>
-          <a:p>
-            <a:r>
-              <a:rPr lang="en-US" dirty="0" smtClean="0"/>
-              <a:t>Add this into documentation</a:t>
-            </a:r>
-            <a:endParaRPr lang="en-US" dirty="0"/>
-          </a:p>
-        </p:txBody>
-      </p:sp>
-    </p:spTree>
-    <p:extLst>
-      <p:ext uri="{BB962C8B-B14F-4D97-AF65-F5344CB8AC3E}">
-        <p14:creationId xmlns:p14="http://schemas.microsoft.com/office/powerpoint/2010/main" val="304579015"/>
       </p:ext>
     </p:extLst>
   </p:cSld>

--- a/CC440.pptx
+++ b/CC440.pptx
@@ -6947,7 +6947,15 @@
             </a:r>
             <a:r>
               <a:rPr lang="en-US" sz="2400" dirty="0" smtClean="0"/>
-              <a:t>, but only a few (1-4) games. Main screen: click a </a:t>
+              <a:t>, but only a few (</a:t>
+            </a:r>
+            <a:r>
+              <a:rPr lang="en-US" sz="2400" dirty="0" smtClean="0"/>
+              <a:t>1-3) </a:t>
+            </a:r>
+            <a:r>
+              <a:rPr lang="en-US" sz="2400" dirty="0" smtClean="0"/>
+              <a:t>games. Main screen: click a </a:t>
             </a:r>
             <a:r>
               <a:rPr lang="en-US" sz="2400" dirty="0" err="1" smtClean="0"/>
@@ -6955,7 +6963,11 @@
             </a:r>
             <a:r>
               <a:rPr lang="en-US" sz="2400" dirty="0" smtClean="0"/>
-              <a:t> will take you to a game</a:t>
+              <a:t> or button </a:t>
+            </a:r>
+            <a:r>
+              <a:rPr lang="en-US" sz="2400" dirty="0" smtClean="0"/>
+              <a:t>will take you to a game</a:t>
             </a:r>
             <a:endParaRPr lang="en-US" sz="2400" dirty="0"/>
           </a:p>
@@ -7066,48 +7078,32 @@
             </a:r>
             <a:r>
               <a:rPr lang="en-US" sz="2400" dirty="0" smtClean="0"/>
-              <a:t> sprites (sitting, </a:t>
-            </a:r>
-            <a:r>
-              <a:rPr lang="en-US" sz="2400" dirty="0" smtClean="0"/>
-              <a:t>walking)</a:t>
-            </a:r>
-            <a:endParaRPr lang="en-US" sz="2400" dirty="0" smtClean="0"/>
+              <a:t> sprites (sitting, walking)</a:t>
+            </a:r>
           </a:p>
           <a:p>
             <a:r>
               <a:rPr lang="en-US" sz="2400" dirty="0" smtClean="0"/>
               <a:t>Use collisions </a:t>
             </a:r>
-            <a:r>
-              <a:rPr lang="mr-IN" sz="2400" dirty="0" smtClean="0"/>
-              <a:t>–</a:t>
-            </a:r>
+            <a:endParaRPr lang="en-US" sz="2400" dirty="0" smtClean="0"/>
+          </a:p>
+          <a:p>
+            <a:pPr lvl="1"/>
+            <a:r>
+              <a:rPr lang="en-US" sz="2200" dirty="0" smtClean="0"/>
+              <a:t>Tic-tac-toe</a:t>
+            </a:r>
+            <a:r>
+              <a:rPr lang="en-US" sz="2200" dirty="0" smtClean="0"/>
+              <a:t>: add animations</a:t>
+            </a:r>
+          </a:p>
+          <a:p>
+            <a:pPr lvl="1"/>
             <a:r>
               <a:rPr lang="en-US" sz="2400" dirty="0" smtClean="0"/>
-              <a:t> probably for all games</a:t>
-            </a:r>
-          </a:p>
-          <a:p>
-            <a:pPr lvl="1"/>
-            <a:r>
-              <a:rPr lang="en-US" sz="2400" dirty="0" smtClean="0"/>
-              <a:t>Tic-tac-toe: add </a:t>
-            </a:r>
-            <a:r>
-              <a:rPr lang="en-US" sz="2400" dirty="0" smtClean="0"/>
-              <a:t>animations</a:t>
-            </a:r>
-          </a:p>
-          <a:p>
-            <a:pPr lvl="1"/>
-            <a:r>
-              <a:rPr lang="en-US" sz="2400" dirty="0" smtClean="0"/>
-              <a:t>Maze</a:t>
-            </a:r>
-            <a:r>
-              <a:rPr lang="en-US" sz="2400" dirty="0" smtClean="0"/>
-              <a:t>: like class example with wall that stopped sprite</a:t>
+              <a:t>Maze: like class example with wall that stopped sprite</a:t>
             </a:r>
           </a:p>
           <a:p>
@@ -7116,24 +7112,20 @@
               <a:rPr lang="en-US" sz="2400" dirty="0" smtClean="0"/>
               <a:t>Yarn: with collisions, push yarn into box</a:t>
             </a:r>
-            <a:endParaRPr lang="en-US" sz="2400" dirty="0" smtClean="0"/>
-          </a:p>
-          <a:p>
-            <a:pPr lvl="1"/>
+          </a:p>
+          <a:p>
             <a:r>
               <a:rPr lang="en-US" sz="2400" dirty="0" smtClean="0"/>
-              <a:t>More?</a:t>
-            </a:r>
-          </a:p>
-          <a:p>
-            <a:r>
-              <a:rPr lang="en-US" dirty="0"/>
-              <a:t>Multiple sketches?</a:t>
-            </a:r>
-          </a:p>
-          <a:p>
-            <a:r>
-              <a:rPr lang="en-US" dirty="0"/>
+              <a:t>Multiple </a:t>
+            </a:r>
+            <a:r>
+              <a:rPr lang="en-US" sz="2400" dirty="0"/>
+              <a:t>sketches?</a:t>
+            </a:r>
+          </a:p>
+          <a:p>
+            <a:r>
+              <a:rPr lang="en-US" sz="2400" dirty="0"/>
               <a:t>Make 8-bit art?</a:t>
             </a:r>
           </a:p>
